--- a/demo_recreated.pptx
+++ b/demo_recreated.pptx
@@ -3128,6 +3128,7 @@
           <a:prstGeom prst="rect">
             <a:avLst/>
           </a:prstGeom>
+          <a:noFill/>
           <a:ln/>
         </p:spPr>
         <p:style>
@@ -3164,6 +3165,7 @@
           <a:prstGeom prst="rect">
             <a:avLst/>
           </a:prstGeom>
+          <a:noFill/>
           <a:ln/>
         </p:spPr>
         <p:style>
@@ -3204,6 +3206,7 @@
           <a:prstGeom prst="rect">
             <a:avLst/>
           </a:prstGeom>
+          <a:noFill/>
           <a:ln/>
         </p:spPr>
         <p:style>
@@ -3300,6 +3303,7 @@
           <a:prstGeom prst="rect">
             <a:avLst/>
           </a:prstGeom>
+          <a:noFill/>
           <a:ln/>
         </p:spPr>
         <p:style>
@@ -3548,6 +3552,7 @@
           <a:prstGeom prst="rect">
             <a:avLst/>
           </a:prstGeom>
+          <a:noFill/>
           <a:ln/>
         </p:spPr>
         <p:style>
@@ -3594,6 +3599,7 @@
           <a:prstGeom prst="rect">
             <a:avLst/>
           </a:prstGeom>
+          <a:noFill/>
           <a:ln/>
         </p:spPr>
         <p:style>
@@ -3637,6 +3643,7 @@
           <a:prstGeom prst="rect">
             <a:avLst/>
           </a:prstGeom>
+          <a:noFill/>
           <a:ln/>
         </p:spPr>
         <p:style>
@@ -4597,27 +4604,165 @@
           <a:lstStyle/>
           <a:p>
             <a:r>
-              <a:t>Financials: </a:t>
-            </a:r>
-          </a:p>
-          <a:p>
-            <a:r>
-              <a:t>● C2C – TBD</a:t>
-            </a:r>
-          </a:p>
-          <a:p>
-            <a:r>
-              <a:t>● Rev– TBD</a:t>
-            </a:r>
-          </a:p>
-          <a:p>
-            <a:r>
-              <a:t>● GA-i3 Rev– TBD</a:t>
-            </a:r>
-          </a:p>
-          <a:p>
-            <a:r>
-              <a:t>● Gross Margin – TBD</a:t>
+              <a:rPr sz="1200" b="1">
+                <a:solidFill>
+                  <a:srgbClr val="000000"/>
+                </a:solidFill>
+                <a:latin typeface="Century Gothic"/>
+              </a:rPr>
+              <a:t>Financials:</a:t>
+            </a:r>
+            <a:r>
+              <a:rPr sz="1200" b="0">
+                <a:solidFill>
+                  <a:srgbClr val="000000"/>
+                </a:solidFill>
+                <a:latin typeface="Century Gothic"/>
+              </a:rPr>
+              <a:t> </a:t>
+            </a:r>
+          </a:p>
+          <a:p>
+            <a:r>
+              <a:rPr sz="1200" b="0">
+                <a:solidFill>
+                  <a:srgbClr val="000000"/>
+                </a:solidFill>
+                <a:latin typeface="Arial"/>
+              </a:rPr>
+              <a:t>● </a:t>
+            </a:r>
+            <a:r>
+              <a:rPr sz="1200" b="0">
+                <a:solidFill>
+                  <a:srgbClr val="000000"/>
+                </a:solidFill>
+                <a:latin typeface="Arial"/>
+              </a:rPr>
+              <a:t>C2C – TBD</a:t>
+            </a:r>
+          </a:p>
+          <a:p>
+            <a:r>
+              <a:rPr sz="1200" b="0">
+                <a:solidFill>
+                  <a:srgbClr val="000000"/>
+                </a:solidFill>
+                <a:latin typeface="Arial"/>
+              </a:rPr>
+              <a:t>● </a:t>
+            </a:r>
+            <a:r>
+              <a:rPr sz="1200" b="0">
+                <a:solidFill>
+                  <a:srgbClr val="000000"/>
+                </a:solidFill>
+                <a:latin typeface="Arial"/>
+              </a:rPr>
+              <a:t>Rev</a:t>
+            </a:r>
+            <a:r>
+              <a:rPr sz="1200" b="0">
+                <a:solidFill>
+                  <a:srgbClr val="000000"/>
+                </a:solidFill>
+                <a:latin typeface="Arial"/>
+              </a:rPr>
+              <a:t>– </a:t>
+            </a:r>
+            <a:r>
+              <a:rPr sz="1200" b="0">
+                <a:solidFill>
+                  <a:srgbClr val="000000"/>
+                </a:solidFill>
+                <a:latin typeface="Arial"/>
+              </a:rPr>
+              <a:t>TBD</a:t>
+            </a:r>
+          </a:p>
+          <a:p>
+            <a:r>
+              <a:rPr sz="1200" b="0">
+                <a:solidFill>
+                  <a:srgbClr val="000000"/>
+                </a:solidFill>
+                <a:latin typeface="Arial"/>
+              </a:rPr>
+              <a:t>● </a:t>
+            </a:r>
+            <a:r>
+              <a:rPr sz="1200" b="0">
+                <a:solidFill>
+                  <a:srgbClr val="000000"/>
+                </a:solidFill>
+                <a:latin typeface="Arial"/>
+              </a:rPr>
+              <a:t>GA-i3</a:t>
+            </a:r>
+            <a:r>
+              <a:rPr sz="1200" b="0">
+                <a:solidFill>
+                  <a:srgbClr val="000000"/>
+                </a:solidFill>
+                <a:latin typeface="Arial"/>
+              </a:rPr>
+              <a:t> Rev</a:t>
+            </a:r>
+            <a:r>
+              <a:rPr sz="1200" b="0">
+                <a:solidFill>
+                  <a:srgbClr val="000000"/>
+                </a:solidFill>
+                <a:latin typeface="Arial"/>
+              </a:rPr>
+              <a:t>– </a:t>
+            </a:r>
+            <a:r>
+              <a:rPr sz="1200" b="0">
+                <a:solidFill>
+                  <a:srgbClr val="000000"/>
+                </a:solidFill>
+                <a:latin typeface="Arial"/>
+              </a:rPr>
+              <a:t>TBD</a:t>
+            </a:r>
+          </a:p>
+          <a:p>
+            <a:r>
+              <a:rPr sz="1200" b="0">
+                <a:solidFill>
+                  <a:srgbClr val="000000"/>
+                </a:solidFill>
+                <a:latin typeface="Arial"/>
+              </a:rPr>
+              <a:t>● </a:t>
+            </a:r>
+            <a:r>
+              <a:rPr sz="1200" b="0">
+                <a:solidFill>
+                  <a:srgbClr val="000000"/>
+                </a:solidFill>
+                <a:latin typeface="Arial"/>
+              </a:rPr>
+              <a:t>Gross Margin</a:t>
+            </a:r>
+            <a:r>
+              <a:rPr sz="1200" b="0">
+                <a:solidFill>
+                  <a:srgbClr val="000000"/>
+                </a:solidFill>
+                <a:latin typeface="Arial"/>
+              </a:rPr>
+              <a:t> – </a:t>
+            </a:r>
+            <a:r>
+              <a:rPr sz="1200" b="0">
+                <a:solidFill>
+                  <a:srgbClr val="000000"/>
+                </a:solidFill>
+                <a:latin typeface="Arial"/>
+              </a:rPr>
+              <a:t>TBD</a:t>
             </a:r>
           </a:p>
           <a:p/>
@@ -4945,6 +5090,7 @@
           <a:prstGeom prst="rect">
             <a:avLst/>
           </a:prstGeom>
+          <a:noFill/>
           <a:ln/>
         </p:spPr>
         <p:style>
@@ -5219,6 +5365,7 @@
           <a:prstGeom prst="rect">
             <a:avLst/>
           </a:prstGeom>
+          <a:noFill/>
           <a:ln/>
         </p:spPr>
         <p:style>
@@ -5240,11 +5387,23 @@
           <a:lstStyle/>
           <a:p>
             <a:r>
+              <a:rPr sz="1600" b="1">
+                <a:solidFill>
+                  <a:srgbClr val="000000"/>
+                </a:solidFill>
+                <a:latin typeface="Century Gothic"/>
+              </a:rPr>
               <a:t>Response Staffing</a:t>
             </a:r>
           </a:p>
           <a:p>
             <a:r>
+              <a:rPr sz="1600" b="0">
+                <a:solidFill>
+                  <a:srgbClr val="000000"/>
+                </a:solidFill>
+                <a:latin typeface="Century Gothic"/>
+              </a:rPr>
               <a:t>{propose who will be needed for the response and LOE}</a:t>
             </a:r>
           </a:p>
@@ -5625,6 +5784,7 @@
           <a:prstGeom prst="rect">
             <a:avLst/>
           </a:prstGeom>
+          <a:noFill/>
           <a:ln/>
         </p:spPr>
         <p:style>
@@ -5696,6 +5856,7 @@
           <a:prstGeom prst="rect">
             <a:avLst/>
           </a:prstGeom>
+          <a:noFill/>
           <a:ln/>
         </p:spPr>
         <p:style>
@@ -5742,6 +5903,7 @@
           <a:prstGeom prst="rect">
             <a:avLst/>
           </a:prstGeom>
+          <a:noFill/>
           <a:ln/>
         </p:spPr>
         <p:style>

--- a/demo_recreated.pptx
+++ b/demo_recreated.pptx
@@ -3111,7 +3111,9 @@
           <a:prstGeom prst="rect">
             <a:avLst/>
           </a:prstGeom>
-          <a:ln/>
+          <a:ln>
+            <a:noFill/>
+          </a:ln>
         </p:spPr>
       </p:pic>
       <p:sp>
@@ -3129,7 +3131,9 @@
             <a:avLst/>
           </a:prstGeom>
           <a:noFill/>
-          <a:ln/>
+          <a:ln>
+            <a:noFill/>
+          </a:ln>
         </p:spPr>
         <p:style>
           <a:lnRef idx="1">
@@ -3166,7 +3170,9 @@
             <a:avLst/>
           </a:prstGeom>
           <a:noFill/>
-          <a:ln/>
+          <a:ln>
+            <a:noFill/>
+          </a:ln>
         </p:spPr>
         <p:style>
           <a:lnRef idx="1">
@@ -3207,7 +3213,9 @@
             <a:avLst/>
           </a:prstGeom>
           <a:noFill/>
-          <a:ln/>
+          <a:ln>
+            <a:noFill/>
+          </a:ln>
         </p:spPr>
         <p:style>
           <a:lnRef idx="1">
@@ -3261,7 +3269,9 @@
           <a:prstGeom prst="rect">
             <a:avLst/>
           </a:prstGeom>
-          <a:ln/>
+          <a:ln>
+            <a:noFill/>
+          </a:ln>
         </p:spPr>
       </p:pic>
       <p:pic>
@@ -3286,7 +3296,9 @@
           <a:prstGeom prst="rect">
             <a:avLst/>
           </a:prstGeom>
-          <a:ln/>
+          <a:ln>
+            <a:noFill/>
+          </a:ln>
         </p:spPr>
       </p:pic>
       <p:sp>
@@ -3304,7 +3316,9 @@
             <a:avLst/>
           </a:prstGeom>
           <a:noFill/>
-          <a:ln/>
+          <a:ln>
+            <a:noFill/>
+          </a:ln>
         </p:spPr>
         <p:style>
           <a:lnRef idx="1">
@@ -3553,7 +3567,9 @@
             <a:avLst/>
           </a:prstGeom>
           <a:noFill/>
-          <a:ln/>
+          <a:ln>
+            <a:noFill/>
+          </a:ln>
         </p:spPr>
         <p:style>
           <a:lnRef idx="1">
@@ -3600,7 +3616,9 @@
             <a:avLst/>
           </a:prstGeom>
           <a:noFill/>
-          <a:ln/>
+          <a:ln>
+            <a:noFill/>
+          </a:ln>
         </p:spPr>
         <p:style>
           <a:lnRef idx="1">
@@ -3622,6 +3640,9 @@
           <a:p>
             <a:r>
               <a:rPr sz="1000" b="1">
+                <a:solidFill>
+                  <a:srgbClr val="000000"/>
+                </a:solidFill>
                 <a:latin typeface="Arial"/>
               </a:rPr>
               <a:t>Command and Control, Integrated Intelligence (C2I2)</a:t>
@@ -3644,7 +3665,9 @@
             <a:avLst/>
           </a:prstGeom>
           <a:noFill/>
-          <a:ln/>
+          <a:ln>
+            <a:noFill/>
+          </a:ln>
         </p:spPr>
         <p:style>
           <a:lnRef idx="1">
@@ -3666,6 +3689,9 @@
           <a:p>
             <a:r>
               <a:rPr sz="1400" b="1">
+                <a:solidFill>
+                  <a:srgbClr val="000000"/>
+                </a:solidFill>
                 <a:latin typeface="Arial"/>
               </a:rPr>
               <a:t>Opportunity Vision</a:t>
@@ -5091,7 +5117,9 @@
             <a:avLst/>
           </a:prstGeom>
           <a:noFill/>
-          <a:ln/>
+          <a:ln>
+            <a:noFill/>
+          </a:ln>
         </p:spPr>
         <p:style>
           <a:lnRef idx="1">
@@ -5183,7 +5211,9 @@
           <a:solidFill>
             <a:srgbClr val="FFFFFF"/>
           </a:solidFill>
-          <a:ln/>
+          <a:ln>
+            <a:noFill/>
+          </a:ln>
         </p:spPr>
         <p:style>
           <a:lnRef idx="1">
@@ -5214,12 +5244,18 @@
             </a:r>
             <a:r>
               <a:rPr sz="1000" b="1">
+                <a:solidFill>
+                  <a:srgbClr val="000000"/>
+                </a:solidFill>
                 <a:latin typeface="Arial"/>
               </a:rPr>
               <a:t>Approval: TBD</a:t>
             </a:r>
             <a:r>
               <a:rPr sz="1000" b="1">
+                <a:solidFill>
+                  <a:srgbClr val="000000"/>
+                </a:solidFill>
                 <a:latin typeface="Arial"/>
               </a:rPr>
               <a:t>Goldenrod: Not yet required</a:t>
@@ -5366,7 +5402,9 @@
             <a:avLst/>
           </a:prstGeom>
           <a:noFill/>
-          <a:ln/>
+          <a:ln>
+            <a:noFill/>
+          </a:ln>
         </p:spPr>
         <p:style>
           <a:lnRef idx="1">
@@ -5785,7 +5823,9 @@
             <a:avLst/>
           </a:prstGeom>
           <a:noFill/>
-          <a:ln/>
+          <a:ln>
+            <a:noFill/>
+          </a:ln>
         </p:spPr>
         <p:style>
           <a:lnRef idx="1">
@@ -5839,7 +5879,9 @@
           <a:prstGeom prst="rect">
             <a:avLst/>
           </a:prstGeom>
-          <a:ln/>
+          <a:ln>
+            <a:noFill/>
+          </a:ln>
         </p:spPr>
       </p:pic>
       <p:sp>
@@ -5857,7 +5899,9 @@
             <a:avLst/>
           </a:prstGeom>
           <a:noFill/>
-          <a:ln/>
+          <a:ln>
+            <a:noFill/>
+          </a:ln>
         </p:spPr>
         <p:style>
           <a:lnRef idx="1">
@@ -5904,7 +5948,9 @@
             <a:avLst/>
           </a:prstGeom>
           <a:noFill/>
-          <a:ln/>
+          <a:ln>
+            <a:noFill/>
+          </a:ln>
         </p:spPr>
         <p:style>
           <a:lnRef idx="1">
